--- a/Blatt 6/High_Fidelity.pptx
+++ b/Blatt 6/High_Fidelity.pptx
@@ -9,6 +9,12 @@
     <p:sldId id="257" r:id="rId3"/>
     <p:sldId id="258" r:id="rId4"/>
     <p:sldId id="259" r:id="rId5"/>
+    <p:sldId id="260" r:id="rId6"/>
+    <p:sldId id="261" r:id="rId7"/>
+    <p:sldId id="262" r:id="rId8"/>
+    <p:sldId id="263" r:id="rId9"/>
+    <p:sldId id="264" r:id="rId10"/>
+    <p:sldId id="265" r:id="rId11"/>
   </p:sldIdLst>
   <p:sldSz cx="12192000" cy="6858000"/>
   <p:notesSz cx="6858000" cy="9144000"/>
@@ -3800,7 +3806,7 @@
         <p:spPr>
           <a:xfrm>
             <a:off x="2777587" y="4572000"/>
-            <a:ext cx="5200221" cy="461665"/>
+            <a:ext cx="7188048" cy="461665"/>
           </a:xfrm>
           <a:prstGeom prst="rect">
             <a:avLst/>
@@ -3815,7 +3821,7 @@
           <a:p>
             <a:r>
               <a:rPr lang="de-DE" sz="2400"/>
-              <a:t>Nächste Aktualisierung: in 10 Minuten</a:t>
+              <a:t>Nächste automatische Aktualisierung: in 10 Minuten</a:t>
             </a:r>
           </a:p>
         </p:txBody>
@@ -3859,10 +3865,271 @@
           </a:prstGeom>
         </p:spPr>
       </p:pic>
+      <p:sp>
+        <p:nvSpPr>
+          <p:cNvPr id="11" name="Rechteck 10">
+            <a:hlinkClick r:id="rId7" action="ppaction://hlinksldjump"/>
+            <a:extLst>
+              <a:ext uri="{FF2B5EF4-FFF2-40B4-BE49-F238E27FC236}">
+                <a16:creationId xmlns:a16="http://schemas.microsoft.com/office/drawing/2014/main" id="{E3CCF6FD-BCA9-4266-89C8-71C5F5DF4DEC}"/>
+              </a:ext>
+            </a:extLst>
+          </p:cNvPr>
+          <p:cNvSpPr/>
+          <p:nvPr/>
+        </p:nvSpPr>
+        <p:spPr>
+          <a:xfrm>
+            <a:off x="2032000" y="1921565"/>
+            <a:ext cx="5428974" cy="543339"/>
+          </a:xfrm>
+          <a:prstGeom prst="rect">
+            <a:avLst/>
+          </a:prstGeom>
+          <a:noFill/>
+          <a:ln>
+            <a:noFill/>
+          </a:ln>
+        </p:spPr>
+        <p:style>
+          <a:lnRef idx="2">
+            <a:schemeClr val="accent1">
+              <a:shade val="50000"/>
+            </a:schemeClr>
+          </a:lnRef>
+          <a:fillRef idx="1">
+            <a:schemeClr val="accent1"/>
+          </a:fillRef>
+          <a:effectRef idx="0">
+            <a:schemeClr val="accent1"/>
+          </a:effectRef>
+          <a:fontRef idx="minor">
+            <a:schemeClr val="lt1"/>
+          </a:fontRef>
+        </p:style>
+        <p:txBody>
+          <a:bodyPr rtlCol="0" anchor="ctr"/>
+          <a:lstStyle/>
+          <a:p>
+            <a:pPr algn="ctr"/>
+            <a:endParaRPr lang="de-DE"/>
+          </a:p>
+        </p:txBody>
+      </p:sp>
+      <p:sp>
+        <p:nvSpPr>
+          <p:cNvPr id="12" name="Rechteck 11">
+            <a:hlinkClick r:id="rId8" action="ppaction://hlinksldjump"/>
+            <a:extLst>
+              <a:ext uri="{FF2B5EF4-FFF2-40B4-BE49-F238E27FC236}">
+                <a16:creationId xmlns:a16="http://schemas.microsoft.com/office/drawing/2014/main" id="{77273A94-5A37-462E-813F-9DD2B39B4FBB}"/>
+              </a:ext>
+            </a:extLst>
+          </p:cNvPr>
+          <p:cNvSpPr/>
+          <p:nvPr/>
+        </p:nvSpPr>
+        <p:spPr>
+          <a:xfrm>
+            <a:off x="2032000" y="2464904"/>
+            <a:ext cx="5428974" cy="675861"/>
+          </a:xfrm>
+          <a:prstGeom prst="rect">
+            <a:avLst/>
+          </a:prstGeom>
+          <a:noFill/>
+          <a:ln>
+            <a:noFill/>
+          </a:ln>
+        </p:spPr>
+        <p:style>
+          <a:lnRef idx="2">
+            <a:schemeClr val="accent1">
+              <a:shade val="50000"/>
+            </a:schemeClr>
+          </a:lnRef>
+          <a:fillRef idx="1">
+            <a:schemeClr val="accent1"/>
+          </a:fillRef>
+          <a:effectRef idx="0">
+            <a:schemeClr val="accent1"/>
+          </a:effectRef>
+          <a:fontRef idx="minor">
+            <a:schemeClr val="lt1"/>
+          </a:fontRef>
+        </p:style>
+        <p:txBody>
+          <a:bodyPr rtlCol="0" anchor="ctr"/>
+          <a:lstStyle/>
+          <a:p>
+            <a:pPr algn="ctr"/>
+            <a:endParaRPr lang="de-DE"/>
+          </a:p>
+        </p:txBody>
+      </p:sp>
+      <p:sp>
+        <p:nvSpPr>
+          <p:cNvPr id="13" name="Rechteck 12">
+            <a:hlinkClick r:id="rId9" action="ppaction://hlinksldjump"/>
+            <a:extLst>
+              <a:ext uri="{FF2B5EF4-FFF2-40B4-BE49-F238E27FC236}">
+                <a16:creationId xmlns:a16="http://schemas.microsoft.com/office/drawing/2014/main" id="{C34BC769-F36B-4141-A0FA-A24FA1511F96}"/>
+              </a:ext>
+            </a:extLst>
+          </p:cNvPr>
+          <p:cNvSpPr/>
+          <p:nvPr/>
+        </p:nvSpPr>
+        <p:spPr>
+          <a:xfrm>
+            <a:off x="2032000" y="3140765"/>
+            <a:ext cx="5428974" cy="675861"/>
+          </a:xfrm>
+          <a:prstGeom prst="rect">
+            <a:avLst/>
+          </a:prstGeom>
+          <a:noFill/>
+          <a:ln>
+            <a:noFill/>
+          </a:ln>
+        </p:spPr>
+        <p:style>
+          <a:lnRef idx="2">
+            <a:schemeClr val="accent1">
+              <a:shade val="50000"/>
+            </a:schemeClr>
+          </a:lnRef>
+          <a:fillRef idx="1">
+            <a:schemeClr val="accent1"/>
+          </a:fillRef>
+          <a:effectRef idx="0">
+            <a:schemeClr val="accent1"/>
+          </a:effectRef>
+          <a:fontRef idx="minor">
+            <a:schemeClr val="lt1"/>
+          </a:fontRef>
+        </p:style>
+        <p:txBody>
+          <a:bodyPr rtlCol="0" anchor="ctr"/>
+          <a:lstStyle/>
+          <a:p>
+            <a:pPr algn="ctr"/>
+            <a:endParaRPr lang="de-DE"/>
+          </a:p>
+        </p:txBody>
+      </p:sp>
     </p:spTree>
     <p:extLst>
       <p:ext uri="{BB962C8B-B14F-4D97-AF65-F5344CB8AC3E}">
         <p14:creationId xmlns:p14="http://schemas.microsoft.com/office/powerpoint/2010/main" val="3579018322"/>
+      </p:ext>
+    </p:extLst>
+  </p:cSld>
+  <p:clrMapOvr>
+    <a:masterClrMapping/>
+  </p:clrMapOvr>
+</p:sld>
+</file>
+
+<file path=ppt/slides/slide10.xml><?xml version="1.0" encoding="utf-8"?>
+<p:sld xmlns:a="http://schemas.openxmlformats.org/drawingml/2006/main" xmlns:r="http://schemas.openxmlformats.org/officeDocument/2006/relationships" xmlns:p="http://schemas.openxmlformats.org/presentationml/2006/main">
+  <p:cSld>
+    <p:spTree>
+      <p:nvGrpSpPr>
+        <p:cNvPr id="1" name=""/>
+        <p:cNvGrpSpPr/>
+        <p:nvPr/>
+      </p:nvGrpSpPr>
+      <p:grpSpPr>
+        <a:xfrm>
+          <a:off x="0" y="0"/>
+          <a:ext cx="0" cy="0"/>
+          <a:chOff x="0" y="0"/>
+          <a:chExt cx="0" cy="0"/>
+        </a:xfrm>
+      </p:grpSpPr>
+      <p:sp>
+        <p:nvSpPr>
+          <p:cNvPr id="2" name="Titel 1">
+            <a:extLst>
+              <a:ext uri="{FF2B5EF4-FFF2-40B4-BE49-F238E27FC236}">
+                <a16:creationId xmlns:a16="http://schemas.microsoft.com/office/drawing/2014/main" id="{36E27EBA-74FA-4A08-9B9E-C63FBCCBAECB}"/>
+              </a:ext>
+            </a:extLst>
+          </p:cNvPr>
+          <p:cNvSpPr>
+            <a:spLocks noGrp="1"/>
+          </p:cNvSpPr>
+          <p:nvPr>
+            <p:ph type="title"/>
+          </p:nvPr>
+        </p:nvSpPr>
+        <p:spPr/>
+        <p:txBody>
+          <a:bodyPr/>
+          <a:lstStyle/>
+          <a:p>
+            <a:endParaRPr lang="de-DE"/>
+          </a:p>
+        </p:txBody>
+      </p:sp>
+      <p:sp>
+        <p:nvSpPr>
+          <p:cNvPr id="4" name="Inhaltsplatzhalter 3">
+            <a:extLst>
+              <a:ext uri="{FF2B5EF4-FFF2-40B4-BE49-F238E27FC236}">
+                <a16:creationId xmlns:a16="http://schemas.microsoft.com/office/drawing/2014/main" id="{E4E22BF1-4901-4BCA-AE54-CAF7D31AB851}"/>
+              </a:ext>
+            </a:extLst>
+          </p:cNvPr>
+          <p:cNvSpPr>
+            <a:spLocks noGrp="1"/>
+          </p:cNvSpPr>
+          <p:nvPr>
+            <p:ph idx="1"/>
+          </p:nvPr>
+        </p:nvSpPr>
+        <p:spPr>
+          <a:xfrm>
+            <a:off x="2261152" y="2818674"/>
+            <a:ext cx="6105939" cy="2227815"/>
+          </a:xfrm>
+          <a:prstGeom prst="rect">
+            <a:avLst/>
+          </a:prstGeom>
+        </p:spPr>
+        <p:style>
+          <a:lnRef idx="2">
+            <a:schemeClr val="accent1">
+              <a:shade val="50000"/>
+            </a:schemeClr>
+          </a:lnRef>
+          <a:fillRef idx="1">
+            <a:schemeClr val="accent1"/>
+          </a:fillRef>
+          <a:effectRef idx="0">
+            <a:schemeClr val="accent1"/>
+          </a:effectRef>
+          <a:fontRef idx="minor">
+            <a:schemeClr val="lt1"/>
+          </a:fontRef>
+        </p:style>
+        <p:txBody>
+          <a:bodyPr rtlCol="0" anchor="ctr"/>
+          <a:lstStyle/>
+          <a:p>
+            <a:pPr algn="ctr"/>
+            <a:r>
+              <a:rPr lang="de-DE" b="1"/>
+              <a:t>Pflanzennumer 3 gegossen</a:t>
+            </a:r>
+          </a:p>
+        </p:txBody>
+      </p:sp>
+    </p:spTree>
+    <p:extLst>
+      <p:ext uri="{BB962C8B-B14F-4D97-AF65-F5344CB8AC3E}">
+        <p14:creationId xmlns:p14="http://schemas.microsoft.com/office/powerpoint/2010/main" val="4284993116"/>
       </p:ext>
     </p:extLst>
   </p:cSld>
@@ -4484,6 +4751,780 @@
     <p:extLst>
       <p:ext uri="{BB962C8B-B14F-4D97-AF65-F5344CB8AC3E}">
         <p14:creationId xmlns:p14="http://schemas.microsoft.com/office/powerpoint/2010/main" val="4040238199"/>
+      </p:ext>
+    </p:extLst>
+  </p:cSld>
+  <p:clrMapOvr>
+    <a:masterClrMapping/>
+  </p:clrMapOvr>
+</p:sld>
+</file>
+
+<file path=ppt/slides/slide5.xml><?xml version="1.0" encoding="utf-8"?>
+<p:sld xmlns:a="http://schemas.openxmlformats.org/drawingml/2006/main" xmlns:r="http://schemas.openxmlformats.org/officeDocument/2006/relationships" xmlns:p="http://schemas.openxmlformats.org/presentationml/2006/main">
+  <p:cSld>
+    <p:spTree>
+      <p:nvGrpSpPr>
+        <p:cNvPr id="1" name=""/>
+        <p:cNvGrpSpPr/>
+        <p:nvPr/>
+      </p:nvGrpSpPr>
+      <p:grpSpPr>
+        <a:xfrm>
+          <a:off x="0" y="0"/>
+          <a:ext cx="0" cy="0"/>
+          <a:chOff x="0" y="0"/>
+          <a:chExt cx="0" cy="0"/>
+        </a:xfrm>
+      </p:grpSpPr>
+      <p:sp>
+        <p:nvSpPr>
+          <p:cNvPr id="2" name="Titel 1">
+            <a:extLst>
+              <a:ext uri="{FF2B5EF4-FFF2-40B4-BE49-F238E27FC236}">
+                <a16:creationId xmlns:a16="http://schemas.microsoft.com/office/drawing/2014/main" id="{CBC85B20-9A60-4195-88ED-B9F06490E4ED}"/>
+              </a:ext>
+            </a:extLst>
+          </p:cNvPr>
+          <p:cNvSpPr>
+            <a:spLocks noGrp="1"/>
+          </p:cNvSpPr>
+          <p:nvPr>
+            <p:ph type="title"/>
+          </p:nvPr>
+        </p:nvSpPr>
+        <p:spPr/>
+        <p:txBody>
+          <a:bodyPr/>
+          <a:lstStyle/>
+          <a:p>
+            <a:r>
+              <a:rPr lang="de-DE"/>
+              <a:t>Ort der Pflanze </a:t>
+            </a:r>
+          </a:p>
+        </p:txBody>
+      </p:sp>
+      <p:sp>
+        <p:nvSpPr>
+          <p:cNvPr id="3" name="Inhaltsplatzhalter 2">
+            <a:extLst>
+              <a:ext uri="{FF2B5EF4-FFF2-40B4-BE49-F238E27FC236}">
+                <a16:creationId xmlns:a16="http://schemas.microsoft.com/office/drawing/2014/main" id="{934B5968-81CB-49B3-B544-91A61CF30374}"/>
+              </a:ext>
+            </a:extLst>
+          </p:cNvPr>
+          <p:cNvSpPr>
+            <a:spLocks noGrp="1"/>
+          </p:cNvSpPr>
+          <p:nvPr>
+            <p:ph idx="1"/>
+          </p:nvPr>
+        </p:nvSpPr>
+        <p:spPr/>
+        <p:txBody>
+          <a:bodyPr/>
+          <a:lstStyle/>
+          <a:p>
+            <a:r>
+              <a:rPr lang="de-DE"/>
+              <a:t>Pflanzennummer 1: Küche</a:t>
+            </a:r>
+          </a:p>
+        </p:txBody>
+      </p:sp>
+      <p:sp>
+        <p:nvSpPr>
+          <p:cNvPr id="4" name="Rechteck 3">
+            <a:extLst>
+              <a:ext uri="{FF2B5EF4-FFF2-40B4-BE49-F238E27FC236}">
+                <a16:creationId xmlns:a16="http://schemas.microsoft.com/office/drawing/2014/main" id="{0102A798-7810-4639-B4DA-3BEAF0924EED}"/>
+              </a:ext>
+            </a:extLst>
+          </p:cNvPr>
+          <p:cNvSpPr/>
+          <p:nvPr/>
+        </p:nvSpPr>
+        <p:spPr>
+          <a:xfrm>
+            <a:off x="689113" y="5340626"/>
+            <a:ext cx="2650435" cy="971274"/>
+          </a:xfrm>
+          <a:prstGeom prst="rect">
+            <a:avLst/>
+          </a:prstGeom>
+        </p:spPr>
+        <p:style>
+          <a:lnRef idx="2">
+            <a:schemeClr val="accent1">
+              <a:shade val="50000"/>
+            </a:schemeClr>
+          </a:lnRef>
+          <a:fillRef idx="1">
+            <a:schemeClr val="accent1"/>
+          </a:fillRef>
+          <a:effectRef idx="0">
+            <a:schemeClr val="accent1"/>
+          </a:effectRef>
+          <a:fontRef idx="minor">
+            <a:schemeClr val="lt1"/>
+          </a:fontRef>
+        </p:style>
+        <p:txBody>
+          <a:bodyPr rtlCol="0" anchor="ctr"/>
+          <a:lstStyle/>
+          <a:p>
+            <a:pPr algn="ctr"/>
+            <a:r>
+              <a:rPr lang="de-DE" b="1"/>
+              <a:t>Pflanze gießen</a:t>
+            </a:r>
+          </a:p>
+        </p:txBody>
+      </p:sp>
+      <p:sp>
+        <p:nvSpPr>
+          <p:cNvPr id="5" name="Rechteck 4">
+            <a:hlinkClick r:id="rId2" action="ppaction://hlinksldjump"/>
+            <a:extLst>
+              <a:ext uri="{FF2B5EF4-FFF2-40B4-BE49-F238E27FC236}">
+                <a16:creationId xmlns:a16="http://schemas.microsoft.com/office/drawing/2014/main" id="{2F4037B2-3C5C-48E7-8C23-C23FC19CB104}"/>
+              </a:ext>
+            </a:extLst>
+          </p:cNvPr>
+          <p:cNvSpPr/>
+          <p:nvPr/>
+        </p:nvSpPr>
+        <p:spPr>
+          <a:xfrm>
+            <a:off x="689113" y="5340626"/>
+            <a:ext cx="2650435" cy="971274"/>
+          </a:xfrm>
+          <a:prstGeom prst="rect">
+            <a:avLst/>
+          </a:prstGeom>
+          <a:noFill/>
+          <a:ln>
+            <a:noFill/>
+          </a:ln>
+        </p:spPr>
+        <p:style>
+          <a:lnRef idx="2">
+            <a:schemeClr val="accent1">
+              <a:shade val="50000"/>
+            </a:schemeClr>
+          </a:lnRef>
+          <a:fillRef idx="1">
+            <a:schemeClr val="accent1"/>
+          </a:fillRef>
+          <a:effectRef idx="0">
+            <a:schemeClr val="accent1"/>
+          </a:effectRef>
+          <a:fontRef idx="minor">
+            <a:schemeClr val="lt1"/>
+          </a:fontRef>
+        </p:style>
+        <p:txBody>
+          <a:bodyPr rtlCol="0" anchor="ctr"/>
+          <a:lstStyle/>
+          <a:p>
+            <a:pPr algn="ctr"/>
+            <a:endParaRPr lang="de-DE"/>
+          </a:p>
+        </p:txBody>
+      </p:sp>
+    </p:spTree>
+    <p:extLst>
+      <p:ext uri="{BB962C8B-B14F-4D97-AF65-F5344CB8AC3E}">
+        <p14:creationId xmlns:p14="http://schemas.microsoft.com/office/powerpoint/2010/main" val="3023133312"/>
+      </p:ext>
+    </p:extLst>
+  </p:cSld>
+  <p:clrMapOvr>
+    <a:masterClrMapping/>
+  </p:clrMapOvr>
+</p:sld>
+</file>
+
+<file path=ppt/slides/slide6.xml><?xml version="1.0" encoding="utf-8"?>
+<p:sld xmlns:a="http://schemas.openxmlformats.org/drawingml/2006/main" xmlns:r="http://schemas.openxmlformats.org/officeDocument/2006/relationships" xmlns:p="http://schemas.openxmlformats.org/presentationml/2006/main">
+  <p:cSld>
+    <p:spTree>
+      <p:nvGrpSpPr>
+        <p:cNvPr id="1" name=""/>
+        <p:cNvGrpSpPr/>
+        <p:nvPr/>
+      </p:nvGrpSpPr>
+      <p:grpSpPr>
+        <a:xfrm>
+          <a:off x="0" y="0"/>
+          <a:ext cx="0" cy="0"/>
+          <a:chOff x="0" y="0"/>
+          <a:chExt cx="0" cy="0"/>
+        </a:xfrm>
+      </p:grpSpPr>
+      <p:sp>
+        <p:nvSpPr>
+          <p:cNvPr id="2" name="Titel 1">
+            <a:extLst>
+              <a:ext uri="{FF2B5EF4-FFF2-40B4-BE49-F238E27FC236}">
+                <a16:creationId xmlns:a16="http://schemas.microsoft.com/office/drawing/2014/main" id="{CBC85B20-9A60-4195-88ED-B9F06490E4ED}"/>
+              </a:ext>
+            </a:extLst>
+          </p:cNvPr>
+          <p:cNvSpPr>
+            <a:spLocks noGrp="1"/>
+          </p:cNvSpPr>
+          <p:nvPr>
+            <p:ph type="title"/>
+          </p:nvPr>
+        </p:nvSpPr>
+        <p:spPr/>
+        <p:txBody>
+          <a:bodyPr/>
+          <a:lstStyle/>
+          <a:p>
+            <a:r>
+              <a:rPr lang="de-DE"/>
+              <a:t>Ort der Pflanze </a:t>
+            </a:r>
+          </a:p>
+        </p:txBody>
+      </p:sp>
+      <p:sp>
+        <p:nvSpPr>
+          <p:cNvPr id="3" name="Inhaltsplatzhalter 2">
+            <a:extLst>
+              <a:ext uri="{FF2B5EF4-FFF2-40B4-BE49-F238E27FC236}">
+                <a16:creationId xmlns:a16="http://schemas.microsoft.com/office/drawing/2014/main" id="{934B5968-81CB-49B3-B544-91A61CF30374}"/>
+              </a:ext>
+            </a:extLst>
+          </p:cNvPr>
+          <p:cNvSpPr>
+            <a:spLocks noGrp="1"/>
+          </p:cNvSpPr>
+          <p:nvPr>
+            <p:ph idx="1"/>
+          </p:nvPr>
+        </p:nvSpPr>
+        <p:spPr/>
+        <p:txBody>
+          <a:bodyPr/>
+          <a:lstStyle/>
+          <a:p>
+            <a:r>
+              <a:rPr lang="de-DE"/>
+              <a:t>Pflanzennummer 2: Wohnzimmer</a:t>
+            </a:r>
+          </a:p>
+        </p:txBody>
+      </p:sp>
+      <p:sp>
+        <p:nvSpPr>
+          <p:cNvPr id="4" name="Rechteck 3">
+            <a:extLst>
+              <a:ext uri="{FF2B5EF4-FFF2-40B4-BE49-F238E27FC236}">
+                <a16:creationId xmlns:a16="http://schemas.microsoft.com/office/drawing/2014/main" id="{2D147C64-0146-4DCC-A156-11D89C56A98D}"/>
+              </a:ext>
+            </a:extLst>
+          </p:cNvPr>
+          <p:cNvSpPr/>
+          <p:nvPr/>
+        </p:nvSpPr>
+        <p:spPr>
+          <a:xfrm>
+            <a:off x="689113" y="5340626"/>
+            <a:ext cx="2650435" cy="971274"/>
+          </a:xfrm>
+          <a:prstGeom prst="rect">
+            <a:avLst/>
+          </a:prstGeom>
+        </p:spPr>
+        <p:style>
+          <a:lnRef idx="2">
+            <a:schemeClr val="accent1">
+              <a:shade val="50000"/>
+            </a:schemeClr>
+          </a:lnRef>
+          <a:fillRef idx="1">
+            <a:schemeClr val="accent1"/>
+          </a:fillRef>
+          <a:effectRef idx="0">
+            <a:schemeClr val="accent1"/>
+          </a:effectRef>
+          <a:fontRef idx="minor">
+            <a:schemeClr val="lt1"/>
+          </a:fontRef>
+        </p:style>
+        <p:txBody>
+          <a:bodyPr rtlCol="0" anchor="ctr"/>
+          <a:lstStyle/>
+          <a:p>
+            <a:pPr algn="ctr"/>
+            <a:r>
+              <a:rPr lang="de-DE" b="1"/>
+              <a:t>Pflanze gießen</a:t>
+            </a:r>
+          </a:p>
+        </p:txBody>
+      </p:sp>
+      <p:sp>
+        <p:nvSpPr>
+          <p:cNvPr id="5" name="Rechteck 4">
+            <a:hlinkClick r:id="rId2" action="ppaction://hlinksldjump"/>
+            <a:extLst>
+              <a:ext uri="{FF2B5EF4-FFF2-40B4-BE49-F238E27FC236}">
+                <a16:creationId xmlns:a16="http://schemas.microsoft.com/office/drawing/2014/main" id="{22CCA679-3874-4C9A-812E-0D71CEE82055}"/>
+              </a:ext>
+            </a:extLst>
+          </p:cNvPr>
+          <p:cNvSpPr/>
+          <p:nvPr/>
+        </p:nvSpPr>
+        <p:spPr>
+          <a:xfrm>
+            <a:off x="689113" y="5340626"/>
+            <a:ext cx="2650435" cy="971274"/>
+          </a:xfrm>
+          <a:prstGeom prst="rect">
+            <a:avLst/>
+          </a:prstGeom>
+          <a:noFill/>
+          <a:ln>
+            <a:noFill/>
+          </a:ln>
+        </p:spPr>
+        <p:style>
+          <a:lnRef idx="2">
+            <a:schemeClr val="accent1">
+              <a:shade val="50000"/>
+            </a:schemeClr>
+          </a:lnRef>
+          <a:fillRef idx="1">
+            <a:schemeClr val="accent1"/>
+          </a:fillRef>
+          <a:effectRef idx="0">
+            <a:schemeClr val="accent1"/>
+          </a:effectRef>
+          <a:fontRef idx="minor">
+            <a:schemeClr val="lt1"/>
+          </a:fontRef>
+        </p:style>
+        <p:txBody>
+          <a:bodyPr rtlCol="0" anchor="ctr"/>
+          <a:lstStyle/>
+          <a:p>
+            <a:pPr algn="ctr"/>
+            <a:endParaRPr lang="de-DE"/>
+          </a:p>
+        </p:txBody>
+      </p:sp>
+    </p:spTree>
+    <p:extLst>
+      <p:ext uri="{BB962C8B-B14F-4D97-AF65-F5344CB8AC3E}">
+        <p14:creationId xmlns:p14="http://schemas.microsoft.com/office/powerpoint/2010/main" val="1995366107"/>
+      </p:ext>
+    </p:extLst>
+  </p:cSld>
+  <p:clrMapOvr>
+    <a:masterClrMapping/>
+  </p:clrMapOvr>
+</p:sld>
+</file>
+
+<file path=ppt/slides/slide7.xml><?xml version="1.0" encoding="utf-8"?>
+<p:sld xmlns:a="http://schemas.openxmlformats.org/drawingml/2006/main" xmlns:r="http://schemas.openxmlformats.org/officeDocument/2006/relationships" xmlns:p="http://schemas.openxmlformats.org/presentationml/2006/main">
+  <p:cSld>
+    <p:spTree>
+      <p:nvGrpSpPr>
+        <p:cNvPr id="1" name=""/>
+        <p:cNvGrpSpPr/>
+        <p:nvPr/>
+      </p:nvGrpSpPr>
+      <p:grpSpPr>
+        <a:xfrm>
+          <a:off x="0" y="0"/>
+          <a:ext cx="0" cy="0"/>
+          <a:chOff x="0" y="0"/>
+          <a:chExt cx="0" cy="0"/>
+        </a:xfrm>
+      </p:grpSpPr>
+      <p:sp>
+        <p:nvSpPr>
+          <p:cNvPr id="2" name="Titel 1">
+            <a:extLst>
+              <a:ext uri="{FF2B5EF4-FFF2-40B4-BE49-F238E27FC236}">
+                <a16:creationId xmlns:a16="http://schemas.microsoft.com/office/drawing/2014/main" id="{CBC85B20-9A60-4195-88ED-B9F06490E4ED}"/>
+              </a:ext>
+            </a:extLst>
+          </p:cNvPr>
+          <p:cNvSpPr>
+            <a:spLocks noGrp="1"/>
+          </p:cNvSpPr>
+          <p:nvPr>
+            <p:ph type="title"/>
+          </p:nvPr>
+        </p:nvSpPr>
+        <p:spPr/>
+        <p:txBody>
+          <a:bodyPr/>
+          <a:lstStyle/>
+          <a:p>
+            <a:r>
+              <a:rPr lang="de-DE"/>
+              <a:t>Ort der Pflanze </a:t>
+            </a:r>
+          </a:p>
+        </p:txBody>
+      </p:sp>
+      <p:sp>
+        <p:nvSpPr>
+          <p:cNvPr id="3" name="Inhaltsplatzhalter 2">
+            <a:extLst>
+              <a:ext uri="{FF2B5EF4-FFF2-40B4-BE49-F238E27FC236}">
+                <a16:creationId xmlns:a16="http://schemas.microsoft.com/office/drawing/2014/main" id="{934B5968-81CB-49B3-B544-91A61CF30374}"/>
+              </a:ext>
+            </a:extLst>
+          </p:cNvPr>
+          <p:cNvSpPr>
+            <a:spLocks noGrp="1"/>
+          </p:cNvSpPr>
+          <p:nvPr>
+            <p:ph idx="1"/>
+          </p:nvPr>
+        </p:nvSpPr>
+        <p:spPr/>
+        <p:txBody>
+          <a:bodyPr/>
+          <a:lstStyle/>
+          <a:p>
+            <a:r>
+              <a:rPr lang="de-DE"/>
+              <a:t>Pflanzennummer 3: Schlafzimmer</a:t>
+            </a:r>
+          </a:p>
+        </p:txBody>
+      </p:sp>
+      <p:sp>
+        <p:nvSpPr>
+          <p:cNvPr id="4" name="Rechteck 3">
+            <a:extLst>
+              <a:ext uri="{FF2B5EF4-FFF2-40B4-BE49-F238E27FC236}">
+                <a16:creationId xmlns:a16="http://schemas.microsoft.com/office/drawing/2014/main" id="{6FF08770-A03F-4EC4-AD27-8AE3C48D1001}"/>
+              </a:ext>
+            </a:extLst>
+          </p:cNvPr>
+          <p:cNvSpPr/>
+          <p:nvPr/>
+        </p:nvSpPr>
+        <p:spPr>
+          <a:xfrm>
+            <a:off x="689113" y="5340626"/>
+            <a:ext cx="2650435" cy="971274"/>
+          </a:xfrm>
+          <a:prstGeom prst="rect">
+            <a:avLst/>
+          </a:prstGeom>
+        </p:spPr>
+        <p:style>
+          <a:lnRef idx="2">
+            <a:schemeClr val="accent1">
+              <a:shade val="50000"/>
+            </a:schemeClr>
+          </a:lnRef>
+          <a:fillRef idx="1">
+            <a:schemeClr val="accent1"/>
+          </a:fillRef>
+          <a:effectRef idx="0">
+            <a:schemeClr val="accent1"/>
+          </a:effectRef>
+          <a:fontRef idx="minor">
+            <a:schemeClr val="lt1"/>
+          </a:fontRef>
+        </p:style>
+        <p:txBody>
+          <a:bodyPr rtlCol="0" anchor="ctr"/>
+          <a:lstStyle/>
+          <a:p>
+            <a:pPr algn="ctr"/>
+            <a:r>
+              <a:rPr lang="de-DE" b="1"/>
+              <a:t>Pflanze gießen</a:t>
+            </a:r>
+          </a:p>
+        </p:txBody>
+      </p:sp>
+      <p:sp>
+        <p:nvSpPr>
+          <p:cNvPr id="5" name="Rechteck 4">
+            <a:hlinkClick r:id="rId2" action="ppaction://hlinksldjump"/>
+            <a:extLst>
+              <a:ext uri="{FF2B5EF4-FFF2-40B4-BE49-F238E27FC236}">
+                <a16:creationId xmlns:a16="http://schemas.microsoft.com/office/drawing/2014/main" id="{827CF66C-1089-4BCA-A9F4-33819E72F89F}"/>
+              </a:ext>
+            </a:extLst>
+          </p:cNvPr>
+          <p:cNvSpPr/>
+          <p:nvPr/>
+        </p:nvSpPr>
+        <p:spPr>
+          <a:xfrm>
+            <a:off x="689113" y="5340626"/>
+            <a:ext cx="2650435" cy="971274"/>
+          </a:xfrm>
+          <a:prstGeom prst="rect">
+            <a:avLst/>
+          </a:prstGeom>
+          <a:noFill/>
+          <a:ln>
+            <a:noFill/>
+          </a:ln>
+        </p:spPr>
+        <p:style>
+          <a:lnRef idx="2">
+            <a:schemeClr val="accent1">
+              <a:shade val="50000"/>
+            </a:schemeClr>
+          </a:lnRef>
+          <a:fillRef idx="1">
+            <a:schemeClr val="accent1"/>
+          </a:fillRef>
+          <a:effectRef idx="0">
+            <a:schemeClr val="accent1"/>
+          </a:effectRef>
+          <a:fontRef idx="minor">
+            <a:schemeClr val="lt1"/>
+          </a:fontRef>
+        </p:style>
+        <p:txBody>
+          <a:bodyPr rtlCol="0" anchor="ctr"/>
+          <a:lstStyle/>
+          <a:p>
+            <a:pPr algn="ctr"/>
+            <a:endParaRPr lang="de-DE"/>
+          </a:p>
+        </p:txBody>
+      </p:sp>
+    </p:spTree>
+    <p:extLst>
+      <p:ext uri="{BB962C8B-B14F-4D97-AF65-F5344CB8AC3E}">
+        <p14:creationId xmlns:p14="http://schemas.microsoft.com/office/powerpoint/2010/main" val="4214331507"/>
+      </p:ext>
+    </p:extLst>
+  </p:cSld>
+  <p:clrMapOvr>
+    <a:masterClrMapping/>
+  </p:clrMapOvr>
+</p:sld>
+</file>
+
+<file path=ppt/slides/slide8.xml><?xml version="1.0" encoding="utf-8"?>
+<p:sld xmlns:a="http://schemas.openxmlformats.org/drawingml/2006/main" xmlns:r="http://schemas.openxmlformats.org/officeDocument/2006/relationships" xmlns:p="http://schemas.openxmlformats.org/presentationml/2006/main">
+  <p:cSld>
+    <p:spTree>
+      <p:nvGrpSpPr>
+        <p:cNvPr id="1" name=""/>
+        <p:cNvGrpSpPr/>
+        <p:nvPr/>
+      </p:nvGrpSpPr>
+      <p:grpSpPr>
+        <a:xfrm>
+          <a:off x="0" y="0"/>
+          <a:ext cx="0" cy="0"/>
+          <a:chOff x="0" y="0"/>
+          <a:chExt cx="0" cy="0"/>
+        </a:xfrm>
+      </p:grpSpPr>
+      <p:sp>
+        <p:nvSpPr>
+          <p:cNvPr id="2" name="Titel 1">
+            <a:extLst>
+              <a:ext uri="{FF2B5EF4-FFF2-40B4-BE49-F238E27FC236}">
+                <a16:creationId xmlns:a16="http://schemas.microsoft.com/office/drawing/2014/main" id="{36E27EBA-74FA-4A08-9B9E-C63FBCCBAECB}"/>
+              </a:ext>
+            </a:extLst>
+          </p:cNvPr>
+          <p:cNvSpPr>
+            <a:spLocks noGrp="1"/>
+          </p:cNvSpPr>
+          <p:nvPr>
+            <p:ph type="title"/>
+          </p:nvPr>
+        </p:nvSpPr>
+        <p:spPr/>
+        <p:txBody>
+          <a:bodyPr/>
+          <a:lstStyle/>
+          <a:p>
+            <a:endParaRPr lang="de-DE"/>
+          </a:p>
+        </p:txBody>
+      </p:sp>
+      <p:sp>
+        <p:nvSpPr>
+          <p:cNvPr id="4" name="Inhaltsplatzhalter 3">
+            <a:extLst>
+              <a:ext uri="{FF2B5EF4-FFF2-40B4-BE49-F238E27FC236}">
+                <a16:creationId xmlns:a16="http://schemas.microsoft.com/office/drawing/2014/main" id="{E4E22BF1-4901-4BCA-AE54-CAF7D31AB851}"/>
+              </a:ext>
+            </a:extLst>
+          </p:cNvPr>
+          <p:cNvSpPr>
+            <a:spLocks noGrp="1"/>
+          </p:cNvSpPr>
+          <p:nvPr>
+            <p:ph idx="1"/>
+          </p:nvPr>
+        </p:nvSpPr>
+        <p:spPr>
+          <a:xfrm>
+            <a:off x="2261152" y="2818674"/>
+            <a:ext cx="6105939" cy="2227815"/>
+          </a:xfrm>
+          <a:prstGeom prst="rect">
+            <a:avLst/>
+          </a:prstGeom>
+        </p:spPr>
+        <p:style>
+          <a:lnRef idx="2">
+            <a:schemeClr val="accent1">
+              <a:shade val="50000"/>
+            </a:schemeClr>
+          </a:lnRef>
+          <a:fillRef idx="1">
+            <a:schemeClr val="accent1"/>
+          </a:fillRef>
+          <a:effectRef idx="0">
+            <a:schemeClr val="accent1"/>
+          </a:effectRef>
+          <a:fontRef idx="minor">
+            <a:schemeClr val="lt1"/>
+          </a:fontRef>
+        </p:style>
+        <p:txBody>
+          <a:bodyPr rtlCol="0" anchor="ctr"/>
+          <a:lstStyle/>
+          <a:p>
+            <a:pPr algn="ctr"/>
+            <a:r>
+              <a:rPr lang="de-DE" b="1"/>
+              <a:t>Pflanzennumer 1 gegossen</a:t>
+            </a:r>
+          </a:p>
+        </p:txBody>
+      </p:sp>
+    </p:spTree>
+    <p:extLst>
+      <p:ext uri="{BB962C8B-B14F-4D97-AF65-F5344CB8AC3E}">
+        <p14:creationId xmlns:p14="http://schemas.microsoft.com/office/powerpoint/2010/main" val="777467026"/>
+      </p:ext>
+    </p:extLst>
+  </p:cSld>
+  <p:clrMapOvr>
+    <a:masterClrMapping/>
+  </p:clrMapOvr>
+</p:sld>
+</file>
+
+<file path=ppt/slides/slide9.xml><?xml version="1.0" encoding="utf-8"?>
+<p:sld xmlns:a="http://schemas.openxmlformats.org/drawingml/2006/main" xmlns:r="http://schemas.openxmlformats.org/officeDocument/2006/relationships" xmlns:p="http://schemas.openxmlformats.org/presentationml/2006/main">
+  <p:cSld>
+    <p:spTree>
+      <p:nvGrpSpPr>
+        <p:cNvPr id="1" name=""/>
+        <p:cNvGrpSpPr/>
+        <p:nvPr/>
+      </p:nvGrpSpPr>
+      <p:grpSpPr>
+        <a:xfrm>
+          <a:off x="0" y="0"/>
+          <a:ext cx="0" cy="0"/>
+          <a:chOff x="0" y="0"/>
+          <a:chExt cx="0" cy="0"/>
+        </a:xfrm>
+      </p:grpSpPr>
+      <p:sp>
+        <p:nvSpPr>
+          <p:cNvPr id="2" name="Titel 1">
+            <a:extLst>
+              <a:ext uri="{FF2B5EF4-FFF2-40B4-BE49-F238E27FC236}">
+                <a16:creationId xmlns:a16="http://schemas.microsoft.com/office/drawing/2014/main" id="{36E27EBA-74FA-4A08-9B9E-C63FBCCBAECB}"/>
+              </a:ext>
+            </a:extLst>
+          </p:cNvPr>
+          <p:cNvSpPr>
+            <a:spLocks noGrp="1"/>
+          </p:cNvSpPr>
+          <p:nvPr>
+            <p:ph type="title"/>
+          </p:nvPr>
+        </p:nvSpPr>
+        <p:spPr/>
+        <p:txBody>
+          <a:bodyPr/>
+          <a:lstStyle/>
+          <a:p>
+            <a:endParaRPr lang="de-DE"/>
+          </a:p>
+        </p:txBody>
+      </p:sp>
+      <p:sp>
+        <p:nvSpPr>
+          <p:cNvPr id="4" name="Inhaltsplatzhalter 3">
+            <a:extLst>
+              <a:ext uri="{FF2B5EF4-FFF2-40B4-BE49-F238E27FC236}">
+                <a16:creationId xmlns:a16="http://schemas.microsoft.com/office/drawing/2014/main" id="{E4E22BF1-4901-4BCA-AE54-CAF7D31AB851}"/>
+              </a:ext>
+            </a:extLst>
+          </p:cNvPr>
+          <p:cNvSpPr>
+            <a:spLocks noGrp="1"/>
+          </p:cNvSpPr>
+          <p:nvPr>
+            <p:ph idx="1"/>
+          </p:nvPr>
+        </p:nvSpPr>
+        <p:spPr>
+          <a:xfrm>
+            <a:off x="2261152" y="2818674"/>
+            <a:ext cx="6105939" cy="2227815"/>
+          </a:xfrm>
+          <a:prstGeom prst="rect">
+            <a:avLst/>
+          </a:prstGeom>
+        </p:spPr>
+        <p:style>
+          <a:lnRef idx="2">
+            <a:schemeClr val="accent1">
+              <a:shade val="50000"/>
+            </a:schemeClr>
+          </a:lnRef>
+          <a:fillRef idx="1">
+            <a:schemeClr val="accent1"/>
+          </a:fillRef>
+          <a:effectRef idx="0">
+            <a:schemeClr val="accent1"/>
+          </a:effectRef>
+          <a:fontRef idx="minor">
+            <a:schemeClr val="lt1"/>
+          </a:fontRef>
+        </p:style>
+        <p:txBody>
+          <a:bodyPr rtlCol="0" anchor="ctr"/>
+          <a:lstStyle/>
+          <a:p>
+            <a:pPr algn="ctr"/>
+            <a:r>
+              <a:rPr lang="de-DE" b="1"/>
+              <a:t>Pflanzennumer 2 gegossen</a:t>
+            </a:r>
+          </a:p>
+        </p:txBody>
+      </p:sp>
+    </p:spTree>
+    <p:extLst>
+      <p:ext uri="{BB962C8B-B14F-4D97-AF65-F5344CB8AC3E}">
+        <p14:creationId xmlns:p14="http://schemas.microsoft.com/office/powerpoint/2010/main" val="3687671139"/>
       </p:ext>
     </p:extLst>
   </p:cSld>

--- a/Blatt 6/High_Fidelity.pptx
+++ b/Blatt 6/High_Fidelity.pptx
@@ -11,10 +11,10 @@
     <p:sldId id="259" r:id="rId5"/>
     <p:sldId id="260" r:id="rId6"/>
     <p:sldId id="261" r:id="rId7"/>
-    <p:sldId id="262" r:id="rId8"/>
+    <p:sldId id="266" r:id="rId8"/>
     <p:sldId id="263" r:id="rId9"/>
-    <p:sldId id="264" r:id="rId10"/>
-    <p:sldId id="265" r:id="rId11"/>
+    <p:sldId id="267" r:id="rId10"/>
+    <p:sldId id="268" r:id="rId11"/>
   </p:sldIdLst>
   <p:sldSz cx="12192000" cy="6858000"/>
   <p:notesSz cx="6858000" cy="9144000"/>
@@ -3412,14 +3412,14 @@
           <p:nvPr>
             <p:extLst>
               <p:ext uri="{D42A27DB-BD31-4B8C-83A1-F6EECF244321}">
-                <p14:modId xmlns:p14="http://schemas.microsoft.com/office/powerpoint/2010/main" val="165434982"/>
+                <p14:modId xmlns:p14="http://schemas.microsoft.com/office/powerpoint/2010/main" val="401842998"/>
               </p:ext>
             </p:extLst>
           </p:nvPr>
         </p:nvGraphicFramePr>
         <p:xfrm>
-          <a:off x="2032000" y="1431235"/>
-          <a:ext cx="8127999" cy="2354249"/>
+          <a:off x="2032001" y="1499484"/>
+          <a:ext cx="6051825" cy="2286000"/>
         </p:xfrm>
         <a:graphic>
           <a:graphicData uri="http://schemas.openxmlformats.org/drawingml/2006/table">
@@ -3428,21 +3428,21 @@
                 <a:tableStyleId>{5C22544A-7EE6-4342-B048-85BDC9FD1C3A}</a:tableStyleId>
               </a:tblPr>
               <a:tblGrid>
-                <a:gridCol w="2709333">
+                <a:gridCol w="2017275">
                   <a:extLst>
                     <a:ext uri="{9D8B030D-6E8A-4147-A177-3AD203B41FA5}">
                       <a16:colId xmlns:a16="http://schemas.microsoft.com/office/drawing/2014/main" val="1320872633"/>
                     </a:ext>
                   </a:extLst>
                 </a:gridCol>
-                <a:gridCol w="2709333">
+                <a:gridCol w="2017275">
                   <a:extLst>
                     <a:ext uri="{9D8B030D-6E8A-4147-A177-3AD203B41FA5}">
                       <a16:colId xmlns:a16="http://schemas.microsoft.com/office/drawing/2014/main" val="2151697826"/>
                     </a:ext>
                   </a:extLst>
                 </a:gridCol>
-                <a:gridCol w="2709333">
+                <a:gridCol w="2017275">
                   <a:extLst>
                     <a:ext uri="{9D8B030D-6E8A-4147-A177-3AD203B41FA5}">
                       <a16:colId xmlns:a16="http://schemas.microsoft.com/office/drawing/2014/main" val="4154153738"/>
@@ -3450,7 +3450,7 @@
                   </a:extLst>
                 </a:gridCol>
               </a:tblGrid>
-              <a:tr h="434009">
+              <a:tr h="243451">
                 <a:tc>
                   <a:txBody>
                     <a:bodyPr/>
@@ -3496,7 +3496,7 @@
                   </a:ext>
                 </a:extLst>
               </a:tr>
-              <a:tr h="434009">
+              <a:tr h="359043">
                 <a:tc>
                   <a:txBody>
                     <a:bodyPr/>
@@ -3542,7 +3542,7 @@
                   </a:ext>
                 </a:extLst>
               </a:tr>
-              <a:tr h="434009">
+              <a:tr h="359043">
                 <a:tc>
                   <a:txBody>
                     <a:bodyPr/>
@@ -3588,7 +3588,7 @@
                   </a:ext>
                 </a:extLst>
               </a:tr>
-              <a:tr h="434009">
+              <a:tr h="359043">
                 <a:tc>
                   <a:txBody>
                     <a:bodyPr/>
@@ -3805,8 +3805,8 @@
         </p:nvSpPr>
         <p:spPr>
           <a:xfrm>
-            <a:off x="2777587" y="4572000"/>
-            <a:ext cx="7188048" cy="461665"/>
+            <a:off x="1842052" y="3973003"/>
+            <a:ext cx="8494644" cy="461665"/>
           </a:xfrm>
           <a:prstGeom prst="rect">
             <a:avLst/>
@@ -3821,7 +3821,7 @@
           <a:p>
             <a:r>
               <a:rPr lang="de-DE" sz="2400"/>
-              <a:t>Nächste automatische Aktualisierung: in 10 Minuten</a:t>
+              <a:t>       automatische Aktualisierung: in 10 Minuten</a:t>
             </a:r>
           </a:p>
         </p:txBody>
@@ -3857,8 +3857,8 @@
         </p:blipFill>
         <p:spPr>
           <a:xfrm>
-            <a:off x="1863187" y="4345632"/>
-            <a:ext cx="914400" cy="914400"/>
+            <a:off x="1956903" y="3973002"/>
+            <a:ext cx="461665" cy="461665"/>
           </a:xfrm>
           <a:prstGeom prst="rect">
             <a:avLst/>
@@ -4091,8 +4091,8 @@
         </p:nvSpPr>
         <p:spPr>
           <a:xfrm>
-            <a:off x="2261152" y="2818674"/>
-            <a:ext cx="6105939" cy="2227815"/>
+            <a:off x="1041952" y="1690688"/>
+            <a:ext cx="4364935" cy="1325564"/>
           </a:xfrm>
           <a:prstGeom prst="rect">
             <a:avLst/>
@@ -4129,7 +4129,7 @@
     </p:spTree>
     <p:extLst>
       <p:ext uri="{BB962C8B-B14F-4D97-AF65-F5344CB8AC3E}">
-        <p14:creationId xmlns:p14="http://schemas.microsoft.com/office/powerpoint/2010/main" val="4284993116"/>
+        <p14:creationId xmlns:p14="http://schemas.microsoft.com/office/powerpoint/2010/main" val="3767193855"/>
       </p:ext>
     </p:extLst>
   </p:cSld>
@@ -4200,14 +4200,14 @@
             <p:ph idx="1"/>
             <p:extLst>
               <p:ext uri="{D42A27DB-BD31-4B8C-83A1-F6EECF244321}">
-                <p14:modId xmlns:p14="http://schemas.microsoft.com/office/powerpoint/2010/main" val="126375048"/>
+                <p14:modId xmlns:p14="http://schemas.microsoft.com/office/powerpoint/2010/main" val="2645665329"/>
               </p:ext>
             </p:extLst>
           </p:nvPr>
         </p:nvGraphicFramePr>
         <p:xfrm>
-          <a:off x="838200" y="1825625"/>
-          <a:ext cx="10515600" cy="1854200"/>
+          <a:off x="838201" y="1851025"/>
+          <a:ext cx="4780722" cy="1828800"/>
         </p:xfrm>
         <a:graphic>
           <a:graphicData uri="http://schemas.openxmlformats.org/drawingml/2006/table">
@@ -4216,7 +4216,7 @@
                 <a:tableStyleId>{5C22544A-7EE6-4342-B048-85BDC9FD1C3A}</a:tableStyleId>
               </a:tblPr>
               <a:tblGrid>
-                <a:gridCol w="10515600">
+                <a:gridCol w="4780722">
                   <a:extLst>
                     <a:ext uri="{9D8B030D-6E8A-4147-A177-3AD203B41FA5}">
                       <a16:colId xmlns:a16="http://schemas.microsoft.com/office/drawing/2014/main" val="4198650759"/>
@@ -4224,7 +4224,7 @@
                   </a:extLst>
                 </a:gridCol>
               </a:tblGrid>
-              <a:tr h="370840">
+              <a:tr h="301294">
                 <a:tc>
                   <a:txBody>
                     <a:bodyPr/>
@@ -4245,7 +4245,7 @@
                   </a:ext>
                 </a:extLst>
               </a:tr>
-              <a:tr h="370840">
+              <a:tr h="301294">
                 <a:tc>
                   <a:txBody>
                     <a:bodyPr/>
@@ -4266,7 +4266,7 @@
                   </a:ext>
                 </a:extLst>
               </a:tr>
-              <a:tr h="370840">
+              <a:tr h="301294">
                 <a:tc>
                   <a:txBody>
                     <a:bodyPr/>
@@ -4287,7 +4287,7 @@
                   </a:ext>
                 </a:extLst>
               </a:tr>
-              <a:tr h="370840">
+              <a:tr h="301294">
                 <a:tc>
                   <a:txBody>
                     <a:bodyPr/>
@@ -4308,7 +4308,7 @@
                   </a:ext>
                 </a:extLst>
               </a:tr>
-              <a:tr h="370840">
+              <a:tr h="301294">
                 <a:tc>
                   <a:txBody>
                     <a:bodyPr/>
@@ -4407,14 +4407,14 @@
             <p:ph idx="1"/>
             <p:extLst>
               <p:ext uri="{D42A27DB-BD31-4B8C-83A1-F6EECF244321}">
-                <p14:modId xmlns:p14="http://schemas.microsoft.com/office/powerpoint/2010/main" val="2367534247"/>
+                <p14:modId xmlns:p14="http://schemas.microsoft.com/office/powerpoint/2010/main" val="2290253773"/>
               </p:ext>
             </p:extLst>
           </p:nvPr>
         </p:nvGraphicFramePr>
         <p:xfrm>
-          <a:off x="838200" y="1825625"/>
-          <a:ext cx="10515600" cy="1854200"/>
+          <a:off x="838201" y="1881809"/>
+          <a:ext cx="4780721" cy="1924216"/>
         </p:xfrm>
         <a:graphic>
           <a:graphicData uri="http://schemas.openxmlformats.org/drawingml/2006/table">
@@ -4423,7 +4423,7 @@
                 <a:tableStyleId>{5C22544A-7EE6-4342-B048-85BDC9FD1C3A}</a:tableStyleId>
               </a:tblPr>
               <a:tblGrid>
-                <a:gridCol w="10515600">
+                <a:gridCol w="4780721">
                   <a:extLst>
                     <a:ext uri="{9D8B030D-6E8A-4147-A177-3AD203B41FA5}">
                       <a16:colId xmlns:a16="http://schemas.microsoft.com/office/drawing/2014/main" val="4198650759"/>
@@ -4431,7 +4431,7 @@
                   </a:extLst>
                 </a:gridCol>
               </a:tblGrid>
-              <a:tr h="370840">
+              <a:tr h="389614">
                 <a:tc>
                   <a:txBody>
                     <a:bodyPr/>
@@ -4452,7 +4452,7 @@
                   </a:ext>
                 </a:extLst>
               </a:tr>
-              <a:tr h="370840">
+              <a:tr h="0">
                 <a:tc>
                   <a:txBody>
                     <a:bodyPr/>
@@ -4473,7 +4473,7 @@
                   </a:ext>
                 </a:extLst>
               </a:tr>
-              <a:tr h="370840">
+              <a:tr h="389614">
                 <a:tc>
                   <a:txBody>
                     <a:bodyPr/>
@@ -4494,7 +4494,7 @@
                   </a:ext>
                 </a:extLst>
               </a:tr>
-              <a:tr h="370840">
+              <a:tr h="389614">
                 <a:tc>
                   <a:txBody>
                     <a:bodyPr/>
@@ -4515,7 +4515,7 @@
                   </a:ext>
                 </a:extLst>
               </a:tr>
-              <a:tr h="370840">
+              <a:tr h="389614">
                 <a:tc>
                   <a:txBody>
                     <a:bodyPr/>
@@ -4614,14 +4614,14 @@
             <p:ph idx="1"/>
             <p:extLst>
               <p:ext uri="{D42A27DB-BD31-4B8C-83A1-F6EECF244321}">
-                <p14:modId xmlns:p14="http://schemas.microsoft.com/office/powerpoint/2010/main" val="153824088"/>
+                <p14:modId xmlns:p14="http://schemas.microsoft.com/office/powerpoint/2010/main" val="1588683747"/>
               </p:ext>
             </p:extLst>
           </p:nvPr>
         </p:nvGraphicFramePr>
         <p:xfrm>
-          <a:off x="838200" y="1825625"/>
-          <a:ext cx="10515600" cy="1854200"/>
+          <a:off x="838200" y="1851025"/>
+          <a:ext cx="4422913" cy="1828800"/>
         </p:xfrm>
         <a:graphic>
           <a:graphicData uri="http://schemas.openxmlformats.org/drawingml/2006/table">
@@ -4630,7 +4630,7 @@
                 <a:tableStyleId>{5C22544A-7EE6-4342-B048-85BDC9FD1C3A}</a:tableStyleId>
               </a:tblPr>
               <a:tblGrid>
-                <a:gridCol w="10515600">
+                <a:gridCol w="4422913">
                   <a:extLst>
                     <a:ext uri="{9D8B030D-6E8A-4147-A177-3AD203B41FA5}">
                       <a16:colId xmlns:a16="http://schemas.microsoft.com/office/drawing/2014/main" val="4198650759"/>
@@ -4638,7 +4638,7 @@
                   </a:extLst>
                 </a:gridCol>
               </a:tblGrid>
-              <a:tr h="370840">
+              <a:tr h="301294">
                 <a:tc>
                   <a:txBody>
                     <a:bodyPr/>
@@ -4659,7 +4659,7 @@
                   </a:ext>
                 </a:extLst>
               </a:tr>
-              <a:tr h="370840">
+              <a:tr h="301294">
                 <a:tc>
                   <a:txBody>
                     <a:bodyPr/>
@@ -4680,7 +4680,7 @@
                   </a:ext>
                 </a:extLst>
               </a:tr>
-              <a:tr h="370840">
+              <a:tr h="301294">
                 <a:tc>
                   <a:txBody>
                     <a:bodyPr/>
@@ -4701,7 +4701,7 @@
                   </a:ext>
                 </a:extLst>
               </a:tr>
-              <a:tr h="370840">
+              <a:tr h="301294">
                 <a:tc>
                   <a:txBody>
                     <a:bodyPr/>
@@ -4722,7 +4722,7 @@
                   </a:ext>
                 </a:extLst>
               </a:tr>
-              <a:tr h="370840">
+              <a:tr h="301294">
                 <a:tc>
                   <a:txBody>
                     <a:bodyPr/>
@@ -4847,8 +4847,8 @@
         </p:nvSpPr>
         <p:spPr>
           <a:xfrm>
-            <a:off x="689113" y="5340626"/>
-            <a:ext cx="2650435" cy="971274"/>
+            <a:off x="993913" y="2486508"/>
+            <a:ext cx="2743200" cy="971274"/>
           </a:xfrm>
           <a:prstGeom prst="rect">
             <a:avLst/>
@@ -4897,7 +4897,7 @@
         </p:nvSpPr>
         <p:spPr>
           <a:xfrm>
-            <a:off x="689113" y="5340626"/>
+            <a:off x="702365" y="2903607"/>
             <a:ext cx="2650435" cy="971274"/>
           </a:xfrm>
           <a:prstGeom prst="rect">
@@ -5033,7 +5033,7 @@
         </p:nvSpPr>
         <p:spPr>
           <a:xfrm>
-            <a:off x="689113" y="5340626"/>
+            <a:off x="1166193" y="2491406"/>
             <a:ext cx="2650435" cy="971274"/>
           </a:xfrm>
           <a:prstGeom prst="rect">
@@ -5083,7 +5083,7 @@
         </p:nvSpPr>
         <p:spPr>
           <a:xfrm>
-            <a:off x="689113" y="5340626"/>
+            <a:off x="1166193" y="2491406"/>
             <a:ext cx="2650435" cy="971274"/>
           </a:xfrm>
           <a:prstGeom prst="rect">
@@ -5210,7 +5210,7 @@
           <p:cNvPr id="4" name="Rechteck 3">
             <a:extLst>
               <a:ext uri="{FF2B5EF4-FFF2-40B4-BE49-F238E27FC236}">
-                <a16:creationId xmlns:a16="http://schemas.microsoft.com/office/drawing/2014/main" id="{6FF08770-A03F-4EC4-AD27-8AE3C48D1001}"/>
+                <a16:creationId xmlns:a16="http://schemas.microsoft.com/office/drawing/2014/main" id="{2D147C64-0146-4DCC-A156-11D89C56A98D}"/>
               </a:ext>
             </a:extLst>
           </p:cNvPr>
@@ -5219,7 +5219,7 @@
         </p:nvSpPr>
         <p:spPr>
           <a:xfrm>
-            <a:off x="689113" y="5340626"/>
+            <a:off x="1166193" y="2491406"/>
             <a:ext cx="2650435" cy="971274"/>
           </a:xfrm>
           <a:prstGeom prst="rect">
@@ -5260,7 +5260,7 @@
             <a:hlinkClick r:id="rId2" action="ppaction://hlinksldjump"/>
             <a:extLst>
               <a:ext uri="{FF2B5EF4-FFF2-40B4-BE49-F238E27FC236}">
-                <a16:creationId xmlns:a16="http://schemas.microsoft.com/office/drawing/2014/main" id="{827CF66C-1089-4BCA-A9F4-33819E72F89F}"/>
+                <a16:creationId xmlns:a16="http://schemas.microsoft.com/office/drawing/2014/main" id="{22CCA679-3874-4C9A-812E-0D71CEE82055}"/>
               </a:ext>
             </a:extLst>
           </p:cNvPr>
@@ -5269,7 +5269,7 @@
         </p:nvSpPr>
         <p:spPr>
           <a:xfrm>
-            <a:off x="689113" y="5340626"/>
+            <a:off x="1166193" y="2491406"/>
             <a:ext cx="2650435" cy="971274"/>
           </a:xfrm>
           <a:prstGeom prst="rect">
@@ -5308,7 +5308,7 @@
     </p:spTree>
     <p:extLst>
       <p:ext uri="{BB962C8B-B14F-4D97-AF65-F5344CB8AC3E}">
-        <p14:creationId xmlns:p14="http://schemas.microsoft.com/office/powerpoint/2010/main" val="4214331507"/>
+        <p14:creationId xmlns:p14="http://schemas.microsoft.com/office/powerpoint/2010/main" val="2450876020"/>
       </p:ext>
     </p:extLst>
   </p:cSld>
@@ -5378,8 +5378,8 @@
         </p:nvSpPr>
         <p:spPr>
           <a:xfrm>
-            <a:off x="2261152" y="2818674"/>
-            <a:ext cx="6105939" cy="2227815"/>
+            <a:off x="1041952" y="1690688"/>
+            <a:ext cx="4364935" cy="1325564"/>
           </a:xfrm>
           <a:prstGeom prst="rect">
             <a:avLst/>
@@ -5486,8 +5486,8 @@
         </p:nvSpPr>
         <p:spPr>
           <a:xfrm>
-            <a:off x="2261152" y="2818674"/>
-            <a:ext cx="6105939" cy="2227815"/>
+            <a:off x="1041952" y="1690688"/>
+            <a:ext cx="4364935" cy="1325564"/>
           </a:xfrm>
           <a:prstGeom prst="rect">
             <a:avLst/>
@@ -5524,7 +5524,7 @@
     </p:spTree>
     <p:extLst>
       <p:ext uri="{BB962C8B-B14F-4D97-AF65-F5344CB8AC3E}">
-        <p14:creationId xmlns:p14="http://schemas.microsoft.com/office/powerpoint/2010/main" val="3687671139"/>
+        <p14:creationId xmlns:p14="http://schemas.microsoft.com/office/powerpoint/2010/main" val="1205162582"/>
       </p:ext>
     </p:extLst>
   </p:cSld>
